--- a/14_big_data/06-Veri-Aktarimi/sqoop/01_sqoop_teori.pptx
+++ b/14_big_data/06-Veri-Aktarimi/sqoop/01_sqoop_teori.pptx
@@ -285,6 +285,90 @@
       </pc:sldChg>
     </pc:docChg>
   </pc:docChgLst>
+  <pc:docChgLst>
+    <pc:chgData name="Erkan ŞİRİN" userId="7f10ce1d6aaf8c5d" providerId="LiveId" clId="{2B75B861-5736-4057-B554-8552FBB52A66}"/>
+    <pc:docChg chg="custSel modSld">
+      <pc:chgData name="Erkan ŞİRİN" userId="7f10ce1d6aaf8c5d" providerId="LiveId" clId="{2B75B861-5736-4057-B554-8552FBB52A66}" dt="2019-07-23T20:56:05.328" v="4" actId="478"/>
+      <pc:docMkLst>
+        <pc:docMk/>
+      </pc:docMkLst>
+      <pc:sldChg chg="delSp">
+        <pc:chgData name="Erkan ŞİRİN" userId="7f10ce1d6aaf8c5d" providerId="LiveId" clId="{2B75B861-5736-4057-B554-8552FBB52A66}" dt="2019-07-23T20:55:59.154" v="0" actId="478"/>
+        <pc:sldMkLst>
+          <pc:docMk/>
+          <pc:sldMk cId="1416118015" sldId="257"/>
+        </pc:sldMkLst>
+        <pc:picChg chg="del">
+          <ac:chgData name="Erkan ŞİRİN" userId="7f10ce1d6aaf8c5d" providerId="LiveId" clId="{2B75B861-5736-4057-B554-8552FBB52A66}" dt="2019-07-23T20:55:59.154" v="0" actId="478"/>
+          <ac:picMkLst>
+            <pc:docMk/>
+            <pc:sldMk cId="1416118015" sldId="257"/>
+            <ac:picMk id="17" creationId="{7197C629-4CAF-4C57-B212-C98AC311329C}"/>
+          </ac:picMkLst>
+        </pc:picChg>
+      </pc:sldChg>
+      <pc:sldChg chg="delSp">
+        <pc:chgData name="Erkan ŞİRİN" userId="7f10ce1d6aaf8c5d" providerId="LiveId" clId="{2B75B861-5736-4057-B554-8552FBB52A66}" dt="2019-07-23T20:56:00.885" v="1" actId="478"/>
+        <pc:sldMkLst>
+          <pc:docMk/>
+          <pc:sldMk cId="2813886073" sldId="258"/>
+        </pc:sldMkLst>
+        <pc:picChg chg="del">
+          <ac:chgData name="Erkan ŞİRİN" userId="7f10ce1d6aaf8c5d" providerId="LiveId" clId="{2B75B861-5736-4057-B554-8552FBB52A66}" dt="2019-07-23T20:56:00.885" v="1" actId="478"/>
+          <ac:picMkLst>
+            <pc:docMk/>
+            <pc:sldMk cId="2813886073" sldId="258"/>
+            <ac:picMk id="24" creationId="{10990367-B536-415B-A365-C39845C9DC9C}"/>
+          </ac:picMkLst>
+        </pc:picChg>
+      </pc:sldChg>
+      <pc:sldChg chg="delSp">
+        <pc:chgData name="Erkan ŞİRİN" userId="7f10ce1d6aaf8c5d" providerId="LiveId" clId="{2B75B861-5736-4057-B554-8552FBB52A66}" dt="2019-07-23T20:56:02.446" v="2" actId="478"/>
+        <pc:sldMkLst>
+          <pc:docMk/>
+          <pc:sldMk cId="3095911633" sldId="259"/>
+        </pc:sldMkLst>
+        <pc:picChg chg="del">
+          <ac:chgData name="Erkan ŞİRİN" userId="7f10ce1d6aaf8c5d" providerId="LiveId" clId="{2B75B861-5736-4057-B554-8552FBB52A66}" dt="2019-07-23T20:56:02.446" v="2" actId="478"/>
+          <ac:picMkLst>
+            <pc:docMk/>
+            <pc:sldMk cId="3095911633" sldId="259"/>
+            <ac:picMk id="34" creationId="{CB6B5715-0989-40CF-92CE-221EEC679A75}"/>
+          </ac:picMkLst>
+        </pc:picChg>
+      </pc:sldChg>
+      <pc:sldChg chg="delSp">
+        <pc:chgData name="Erkan ŞİRİN" userId="7f10ce1d6aaf8c5d" providerId="LiveId" clId="{2B75B861-5736-4057-B554-8552FBB52A66}" dt="2019-07-23T20:56:03.919" v="3" actId="478"/>
+        <pc:sldMkLst>
+          <pc:docMk/>
+          <pc:sldMk cId="2972547964" sldId="260"/>
+        </pc:sldMkLst>
+        <pc:picChg chg="del">
+          <ac:chgData name="Erkan ŞİRİN" userId="7f10ce1d6aaf8c5d" providerId="LiveId" clId="{2B75B861-5736-4057-B554-8552FBB52A66}" dt="2019-07-23T20:56:03.919" v="3" actId="478"/>
+          <ac:picMkLst>
+            <pc:docMk/>
+            <pc:sldMk cId="2972547964" sldId="260"/>
+            <ac:picMk id="16" creationId="{A626F089-DF7A-457A-8496-B3D473B80069}"/>
+          </ac:picMkLst>
+        </pc:picChg>
+      </pc:sldChg>
+      <pc:sldChg chg="delSp">
+        <pc:chgData name="Erkan ŞİRİN" userId="7f10ce1d6aaf8c5d" providerId="LiveId" clId="{2B75B861-5736-4057-B554-8552FBB52A66}" dt="2019-07-23T20:56:05.328" v="4" actId="478"/>
+        <pc:sldMkLst>
+          <pc:docMk/>
+          <pc:sldMk cId="921638260" sldId="261"/>
+        </pc:sldMkLst>
+        <pc:picChg chg="del">
+          <ac:chgData name="Erkan ŞİRİN" userId="7f10ce1d6aaf8c5d" providerId="LiveId" clId="{2B75B861-5736-4057-B554-8552FBB52A66}" dt="2019-07-23T20:56:05.328" v="4" actId="478"/>
+          <ac:picMkLst>
+            <pc:docMk/>
+            <pc:sldMk cId="921638260" sldId="261"/>
+            <ac:picMk id="16" creationId="{1436E71F-8893-456B-8D57-48E03ECA109D}"/>
+          </ac:picMkLst>
+        </pc:picChg>
+      </pc:sldChg>
+    </pc:docChg>
+  </pc:docChgLst>
 </pc:chgInfo>
 </file>
 
@@ -370,7 +454,7 @@
           <a:p>
             <a:fld id="{6F77F576-AE14-466D-AA6B-335273622B21}" type="datetimeFigureOut">
               <a:rPr lang="en-US" smtClean="0"/>
-              <a:t>4/27/2019</a:t>
+              <a:t>7/23/2019</a:t>
             </a:fld>
             <a:endParaRPr lang="en-US"/>
           </a:p>
@@ -769,7 +853,7 @@
           <a:p>
             <a:fld id="{54AA066D-271F-4C1A-B89A-0705A7689EE9}" type="datetimeFigureOut">
               <a:rPr lang="en-US" smtClean="0"/>
-              <a:t>4/27/2019</a:t>
+              <a:t>7/23/2019</a:t>
             </a:fld>
             <a:endParaRPr lang="en-US"/>
           </a:p>
@@ -939,7 +1023,7 @@
           <a:p>
             <a:fld id="{54AA066D-271F-4C1A-B89A-0705A7689EE9}" type="datetimeFigureOut">
               <a:rPr lang="en-US" smtClean="0"/>
-              <a:t>4/27/2019</a:t>
+              <a:t>7/23/2019</a:t>
             </a:fld>
             <a:endParaRPr lang="en-US"/>
           </a:p>
@@ -1119,7 +1203,7 @@
           <a:p>
             <a:fld id="{54AA066D-271F-4C1A-B89A-0705A7689EE9}" type="datetimeFigureOut">
               <a:rPr lang="en-US" smtClean="0"/>
-              <a:t>4/27/2019</a:t>
+              <a:t>7/23/2019</a:t>
             </a:fld>
             <a:endParaRPr lang="en-US"/>
           </a:p>
@@ -1289,7 +1373,7 @@
           <a:p>
             <a:fld id="{54AA066D-271F-4C1A-B89A-0705A7689EE9}" type="datetimeFigureOut">
               <a:rPr lang="en-US" smtClean="0"/>
-              <a:t>4/27/2019</a:t>
+              <a:t>7/23/2019</a:t>
             </a:fld>
             <a:endParaRPr lang="en-US"/>
           </a:p>
@@ -1535,7 +1619,7 @@
           <a:p>
             <a:fld id="{54AA066D-271F-4C1A-B89A-0705A7689EE9}" type="datetimeFigureOut">
               <a:rPr lang="en-US" smtClean="0"/>
-              <a:t>4/27/2019</a:t>
+              <a:t>7/23/2019</a:t>
             </a:fld>
             <a:endParaRPr lang="en-US"/>
           </a:p>
@@ -1767,7 +1851,7 @@
           <a:p>
             <a:fld id="{54AA066D-271F-4C1A-B89A-0705A7689EE9}" type="datetimeFigureOut">
               <a:rPr lang="en-US" smtClean="0"/>
-              <a:t>4/27/2019</a:t>
+              <a:t>7/23/2019</a:t>
             </a:fld>
             <a:endParaRPr lang="en-US"/>
           </a:p>
@@ -2134,7 +2218,7 @@
           <a:p>
             <a:fld id="{54AA066D-271F-4C1A-B89A-0705A7689EE9}" type="datetimeFigureOut">
               <a:rPr lang="en-US" smtClean="0"/>
-              <a:t>4/27/2019</a:t>
+              <a:t>7/23/2019</a:t>
             </a:fld>
             <a:endParaRPr lang="en-US"/>
           </a:p>
@@ -2252,7 +2336,7 @@
           <a:p>
             <a:fld id="{54AA066D-271F-4C1A-B89A-0705A7689EE9}" type="datetimeFigureOut">
               <a:rPr lang="en-US" smtClean="0"/>
-              <a:t>4/27/2019</a:t>
+              <a:t>7/23/2019</a:t>
             </a:fld>
             <a:endParaRPr lang="en-US"/>
           </a:p>
@@ -2347,7 +2431,7 @@
           <a:p>
             <a:fld id="{54AA066D-271F-4C1A-B89A-0705A7689EE9}" type="datetimeFigureOut">
               <a:rPr lang="en-US" smtClean="0"/>
-              <a:t>4/27/2019</a:t>
+              <a:t>7/23/2019</a:t>
             </a:fld>
             <a:endParaRPr lang="en-US"/>
           </a:p>
@@ -2624,7 +2708,7 @@
           <a:p>
             <a:fld id="{54AA066D-271F-4C1A-B89A-0705A7689EE9}" type="datetimeFigureOut">
               <a:rPr lang="en-US" smtClean="0"/>
-              <a:t>4/27/2019</a:t>
+              <a:t>7/23/2019</a:t>
             </a:fld>
             <a:endParaRPr lang="en-US"/>
           </a:p>
@@ -2877,7 +2961,7 @@
           <a:p>
             <a:fld id="{54AA066D-271F-4C1A-B89A-0705A7689EE9}" type="datetimeFigureOut">
               <a:rPr lang="en-US" smtClean="0"/>
-              <a:t>4/27/2019</a:t>
+              <a:t>7/23/2019</a:t>
             </a:fld>
             <a:endParaRPr lang="en-US"/>
           </a:p>
@@ -3090,7 +3174,7 @@
           <a:p>
             <a:fld id="{54AA066D-271F-4C1A-B89A-0705A7689EE9}" type="datetimeFigureOut">
               <a:rPr lang="en-US" smtClean="0"/>
-              <a:t>4/27/2019</a:t>
+              <a:t>7/23/2019</a:t>
             </a:fld>
             <a:endParaRPr lang="en-US"/>
           </a:p>
@@ -3617,42 +3701,6 @@
           </a:prstGeom>
         </p:spPr>
       </p:pic>
-      <p:pic>
-        <p:nvPicPr>
-          <p:cNvPr id="17" name="Resim 16">
-            <a:extLst>
-              <a:ext uri="{FF2B5EF4-FFF2-40B4-BE49-F238E27FC236}">
-                <a16:creationId xmlns:a16="http://schemas.microsoft.com/office/drawing/2014/main" id="{7197C629-4CAF-4C57-B212-C98AC311329C}"/>
-              </a:ext>
-            </a:extLst>
-          </p:cNvPr>
-          <p:cNvPicPr>
-            <a:picLocks noChangeAspect="1"/>
-          </p:cNvPicPr>
-          <p:nvPr/>
-        </p:nvPicPr>
-        <p:blipFill>
-          <a:blip r:embed="rId3">
-            <a:extLst>
-              <a:ext uri="{28A0092B-C50C-407E-A947-70E740481C1C}">
-                <a14:useLocalDpi xmlns:a14="http://schemas.microsoft.com/office/drawing/2010/main" val="0"/>
-              </a:ext>
-            </a:extLst>
-          </a:blip>
-          <a:stretch>
-            <a:fillRect/>
-          </a:stretch>
-        </p:blipFill>
-        <p:spPr>
-          <a:xfrm>
-            <a:off x="340622" y="6362072"/>
-            <a:ext cx="2154700" cy="308365"/>
-          </a:xfrm>
-          <a:prstGeom prst="rect">
-            <a:avLst/>
-          </a:prstGeom>
-        </p:spPr>
-      </p:pic>
     </p:spTree>
     <p:extLst>
       <p:ext uri="{BB962C8B-B14F-4D97-AF65-F5344CB8AC3E}">
@@ -4014,42 +4062,6 @@
           </a:prstGeom>
         </p:spPr>
       </p:pic>
-      <p:pic>
-        <p:nvPicPr>
-          <p:cNvPr id="24" name="Resim 23">
-            <a:extLst>
-              <a:ext uri="{FF2B5EF4-FFF2-40B4-BE49-F238E27FC236}">
-                <a16:creationId xmlns:a16="http://schemas.microsoft.com/office/drawing/2014/main" id="{10990367-B536-415B-A365-C39845C9DC9C}"/>
-              </a:ext>
-            </a:extLst>
-          </p:cNvPr>
-          <p:cNvPicPr>
-            <a:picLocks noChangeAspect="1"/>
-          </p:cNvPicPr>
-          <p:nvPr/>
-        </p:nvPicPr>
-        <p:blipFill>
-          <a:blip r:embed="rId9">
-            <a:extLst>
-              <a:ext uri="{28A0092B-C50C-407E-A947-70E740481C1C}">
-                <a14:useLocalDpi xmlns:a14="http://schemas.microsoft.com/office/drawing/2010/main" val="0"/>
-              </a:ext>
-            </a:extLst>
-          </a:blip>
-          <a:stretch>
-            <a:fillRect/>
-          </a:stretch>
-        </p:blipFill>
-        <p:spPr>
-          <a:xfrm>
-            <a:off x="340622" y="6362072"/>
-            <a:ext cx="2154700" cy="308365"/>
-          </a:xfrm>
-          <a:prstGeom prst="rect">
-            <a:avLst/>
-          </a:prstGeom>
-        </p:spPr>
-      </p:pic>
     </p:spTree>
     <p:extLst>
       <p:ext uri="{BB962C8B-B14F-4D97-AF65-F5344CB8AC3E}">
@@ -5832,42 +5844,6 @@
           </a:p>
         </p:txBody>
       </p:sp>
-      <p:pic>
-        <p:nvPicPr>
-          <p:cNvPr id="34" name="Resim 33">
-            <a:extLst>
-              <a:ext uri="{FF2B5EF4-FFF2-40B4-BE49-F238E27FC236}">
-                <a16:creationId xmlns:a16="http://schemas.microsoft.com/office/drawing/2014/main" id="{CB6B5715-0989-40CF-92CE-221EEC679A75}"/>
-              </a:ext>
-            </a:extLst>
-          </p:cNvPr>
-          <p:cNvPicPr>
-            <a:picLocks noChangeAspect="1"/>
-          </p:cNvPicPr>
-          <p:nvPr/>
-        </p:nvPicPr>
-        <p:blipFill>
-          <a:blip r:embed="rId6">
-            <a:extLst>
-              <a:ext uri="{28A0092B-C50C-407E-A947-70E740481C1C}">
-                <a14:useLocalDpi xmlns:a14="http://schemas.microsoft.com/office/drawing/2010/main" val="0"/>
-              </a:ext>
-            </a:extLst>
-          </a:blip>
-          <a:stretch>
-            <a:fillRect/>
-          </a:stretch>
-        </p:blipFill>
-        <p:spPr>
-          <a:xfrm>
-            <a:off x="340622" y="6362072"/>
-            <a:ext cx="2154700" cy="308365"/>
-          </a:xfrm>
-          <a:prstGeom prst="rect">
-            <a:avLst/>
-          </a:prstGeom>
-        </p:spPr>
-      </p:pic>
     </p:spTree>
     <p:extLst>
       <p:ext uri="{BB962C8B-B14F-4D97-AF65-F5344CB8AC3E}">
@@ -7462,42 +7438,6 @@
           </a:p>
         </p:txBody>
       </p:sp>
-      <p:pic>
-        <p:nvPicPr>
-          <p:cNvPr id="16" name="Resim 15">
-            <a:extLst>
-              <a:ext uri="{FF2B5EF4-FFF2-40B4-BE49-F238E27FC236}">
-                <a16:creationId xmlns:a16="http://schemas.microsoft.com/office/drawing/2014/main" id="{A626F089-DF7A-457A-8496-B3D473B80069}"/>
-              </a:ext>
-            </a:extLst>
-          </p:cNvPr>
-          <p:cNvPicPr>
-            <a:picLocks noChangeAspect="1"/>
-          </p:cNvPicPr>
-          <p:nvPr/>
-        </p:nvPicPr>
-        <p:blipFill>
-          <a:blip r:embed="rId2">
-            <a:extLst>
-              <a:ext uri="{28A0092B-C50C-407E-A947-70E740481C1C}">
-                <a14:useLocalDpi xmlns:a14="http://schemas.microsoft.com/office/drawing/2010/main" val="0"/>
-              </a:ext>
-            </a:extLst>
-          </a:blip>
-          <a:stretch>
-            <a:fillRect/>
-          </a:stretch>
-        </p:blipFill>
-        <p:spPr>
-          <a:xfrm>
-            <a:off x="340622" y="6362072"/>
-            <a:ext cx="2154700" cy="308365"/>
-          </a:xfrm>
-          <a:prstGeom prst="rect">
-            <a:avLst/>
-          </a:prstGeom>
-        </p:spPr>
-      </p:pic>
     </p:spTree>
     <p:extLst>
       <p:ext uri="{BB962C8B-B14F-4D97-AF65-F5344CB8AC3E}">
@@ -7778,42 +7718,6 @@
           </a:p>
         </p:txBody>
       </p:sp>
-      <p:pic>
-        <p:nvPicPr>
-          <p:cNvPr id="16" name="Resim 15">
-            <a:extLst>
-              <a:ext uri="{FF2B5EF4-FFF2-40B4-BE49-F238E27FC236}">
-                <a16:creationId xmlns:a16="http://schemas.microsoft.com/office/drawing/2014/main" id="{1436E71F-8893-456B-8D57-48E03ECA109D}"/>
-              </a:ext>
-            </a:extLst>
-          </p:cNvPr>
-          <p:cNvPicPr>
-            <a:picLocks noChangeAspect="1"/>
-          </p:cNvPicPr>
-          <p:nvPr/>
-        </p:nvPicPr>
-        <p:blipFill>
-          <a:blip r:embed="rId2">
-            <a:extLst>
-              <a:ext uri="{28A0092B-C50C-407E-A947-70E740481C1C}">
-                <a14:useLocalDpi xmlns:a14="http://schemas.microsoft.com/office/drawing/2010/main" val="0"/>
-              </a:ext>
-            </a:extLst>
-          </a:blip>
-          <a:stretch>
-            <a:fillRect/>
-          </a:stretch>
-        </p:blipFill>
-        <p:spPr>
-          <a:xfrm>
-            <a:off x="340622" y="6362072"/>
-            <a:ext cx="2154700" cy="308365"/>
-          </a:xfrm>
-          <a:prstGeom prst="rect">
-            <a:avLst/>
-          </a:prstGeom>
-        </p:spPr>
-      </p:pic>
     </p:spTree>
     <p:extLst>
       <p:ext uri="{BB962C8B-B14F-4D97-AF65-F5344CB8AC3E}">
